--- a/ppt/중간발표.pptx
+++ b/ppt/중간발표.pptx
@@ -3534,12 +3534,12 @@
           <a:lstStyle/>
           <a:p>
             <a:r>
-              <a:rPr lang="ko-KR" altLang="en-US" dirty="0">
+              <a:rPr lang="ko-KR" altLang="en-US">
                 <a:solidFill>
                   <a:srgbClr val="FFFFFF"/>
                 </a:solidFill>
               </a:rPr>
-              <a:t>기획발표</a:t>
+              <a:t>중간발표</a:t>
             </a:r>
             <a:endParaRPr lang="en-US" altLang="ko-KR" dirty="0">
               <a:solidFill>
